--- a/presentations-de/praesentation-06-kapitel-5-methoden.pptx
+++ b/presentations-de/praesentation-06-kapitel-5-methoden.pptx
@@ -208,7 +208,7 @@
             <a:fld id="{14279C90-4B83-44D1-A60F-44A75D7A4CD8}" type="datetimeFigureOut">
               <a:rPr lang="de-DE" smtClean="0"/>
               <a:pPr/>
-              <a:t>15.07.2012</a:t>
+              <a:t>29.10.2012</a:t>
             </a:fld>
             <a:endParaRPr lang="de-DE"/>
           </a:p>
@@ -766,7 +766,7 @@
             <a:pPr algn="ctr" eaLnBrk="1" latinLnBrk="0" hangingPunct="1"/>
             <a:r>
               <a:rPr lang="de-DE" smtClean="0"/>
-              <a:t>v1.3 (2012-07)</a:t>
+              <a:t>v2.0</a:t>
             </a:r>
             <a:endParaRPr lang="en-US" sz="2000" dirty="0">
               <a:solidFill>
@@ -811,7 +811,7 @@
                   <a:schemeClr val="tx2"/>
                 </a:solidFill>
               </a:rPr>
-              <a:t>Programmieren / Eigene Methoden</a:t>
+              <a:t>Programmieren / Kapitel 5 - Eigene Methoden</a:t>
             </a:r>
             <a:endParaRPr kumimoji="0" lang="en-US" dirty="0">
               <a:solidFill>
@@ -986,7 +986,7 @@
           <a:p>
             <a:r>
               <a:rPr lang="de-DE" smtClean="0"/>
-              <a:t>v1.3 (2012-07)</a:t>
+              <a:t>v2.0</a:t>
             </a:r>
             <a:endParaRPr lang="en-US"/>
           </a:p>
@@ -1009,7 +1009,7 @@
           <a:p>
             <a:r>
               <a:rPr kumimoji="0" lang="de-CH" smtClean="0"/>
-              <a:t>Programmieren / Eigene Methoden</a:t>
+              <a:t>Programmieren / Kapitel 5 - Eigene Methoden</a:t>
             </a:r>
             <a:endParaRPr kumimoji="0" lang="en-US"/>
           </a:p>
@@ -1171,7 +1171,7 @@
           <a:p>
             <a:r>
               <a:rPr lang="de-DE" smtClean="0"/>
-              <a:t>v1.3 (2012-07)</a:t>
+              <a:t>v2.0</a:t>
             </a:r>
             <a:endParaRPr lang="en-US" dirty="0"/>
           </a:p>
@@ -1199,7 +1199,7 @@
           <a:p>
             <a:r>
               <a:rPr kumimoji="0" lang="de-CH" smtClean="0"/>
-              <a:t>Programmieren / Eigene Methoden</a:t>
+              <a:t>Programmieren / Kapitel 5 - Eigene Methoden</a:t>
             </a:r>
             <a:endParaRPr kumimoji="0" lang="en-US" dirty="0"/>
           </a:p>
@@ -1439,7 +1439,7 @@
           <a:p>
             <a:r>
               <a:rPr lang="de-DE" smtClean="0"/>
-              <a:t>v1.3 (2012-07)</a:t>
+              <a:t>v2.0</a:t>
             </a:r>
             <a:endParaRPr lang="en-US" dirty="0"/>
           </a:p>
@@ -1462,7 +1462,7 @@
           <a:p>
             <a:r>
               <a:rPr kumimoji="0" lang="de-CH" smtClean="0"/>
-              <a:t>Programmieren / Eigene Methoden</a:t>
+              <a:t>Programmieren / Kapitel 5 - Eigene Methoden</a:t>
             </a:r>
             <a:endParaRPr kumimoji="0" lang="en-US"/>
           </a:p>
@@ -1866,7 +1866,7 @@
           <a:p>
             <a:r>
               <a:rPr lang="de-DE" smtClean="0"/>
-              <a:t>v1.3 (2012-07)</a:t>
+              <a:t>v2.0</a:t>
             </a:r>
             <a:endParaRPr lang="en-US"/>
           </a:p>
@@ -1933,7 +1933,7 @@
           <a:p>
             <a:r>
               <a:rPr kumimoji="0" lang="de-CH" smtClean="0"/>
-              <a:t>Programmieren / Eigene Methoden</a:t>
+              <a:t>Programmieren / Kapitel 5 - Eigene Methoden</a:t>
             </a:r>
             <a:endParaRPr kumimoji="0" lang="en-US"/>
           </a:p>
@@ -2125,7 +2125,7 @@
           <a:p>
             <a:r>
               <a:rPr lang="de-DE" smtClean="0"/>
-              <a:t>v1.3 (2012-07)</a:t>
+              <a:t>v2.0</a:t>
             </a:r>
             <a:endParaRPr lang="en-US"/>
           </a:p>
@@ -2173,7 +2173,7 @@
           <a:p>
             <a:r>
               <a:rPr kumimoji="0" lang="de-CH" smtClean="0"/>
-              <a:t>Programmieren / Eigene Methoden</a:t>
+              <a:t>Programmieren / Kapitel 5 - Eigene Methoden</a:t>
             </a:r>
             <a:endParaRPr kumimoji="0" lang="en-US"/>
           </a:p>
@@ -2374,7 +2374,7 @@
           <a:p>
             <a:r>
               <a:rPr lang="de-DE" smtClean="0"/>
-              <a:t>v1.3 (2012-07)</a:t>
+              <a:t>v2.0</a:t>
             </a:r>
             <a:endParaRPr lang="en-US"/>
           </a:p>
@@ -2422,7 +2422,7 @@
           <a:p>
             <a:r>
               <a:rPr kumimoji="0" lang="de-CH" smtClean="0"/>
-              <a:t>Programmieren / Eigene Methoden</a:t>
+              <a:t>Programmieren / Kapitel 5 - Eigene Methoden</a:t>
             </a:r>
             <a:endParaRPr kumimoji="0" lang="en-US"/>
           </a:p>
@@ -2582,7 +2582,7 @@
           <a:p>
             <a:r>
               <a:rPr lang="de-DE" smtClean="0"/>
-              <a:t>v1.3 (2012-07)</a:t>
+              <a:t>v2.0</a:t>
             </a:r>
             <a:endParaRPr lang="en-US"/>
           </a:p>
@@ -2605,7 +2605,7 @@
           <a:p>
             <a:r>
               <a:rPr kumimoji="0" lang="de-CH" smtClean="0"/>
-              <a:t>Programmieren / Eigene Methoden</a:t>
+              <a:t>Programmieren / Kapitel 5 - Eigene Methoden</a:t>
             </a:r>
             <a:endParaRPr kumimoji="0" lang="en-US"/>
           </a:p>
@@ -2696,7 +2696,7 @@
           <a:p>
             <a:r>
               <a:rPr lang="de-DE" smtClean="0"/>
-              <a:t>v1.3 (2012-07)</a:t>
+              <a:t>v2.0</a:t>
             </a:r>
             <a:endParaRPr lang="en-US"/>
           </a:p>
@@ -2719,7 +2719,7 @@
           <a:p>
             <a:r>
               <a:rPr kumimoji="0" lang="de-CH" smtClean="0"/>
-              <a:t>Programmieren / Eigene Methoden</a:t>
+              <a:t>Programmieren / Kapitel 5 - Eigene Methoden</a:t>
             </a:r>
             <a:endParaRPr kumimoji="0" lang="en-US" dirty="0"/>
           </a:p>
@@ -2841,7 +2841,7 @@
           <a:p>
             <a:r>
               <a:rPr lang="de-DE" smtClean="0"/>
-              <a:t>v1.3 (2012-07)</a:t>
+              <a:t>v2.0</a:t>
             </a:r>
             <a:endParaRPr lang="en-US"/>
           </a:p>
@@ -2864,7 +2864,7 @@
           <a:p>
             <a:r>
               <a:rPr kumimoji="0" lang="de-CH" smtClean="0"/>
-              <a:t>Programmieren / Eigene Methoden</a:t>
+              <a:t>Programmieren / Kapitel 5 - Eigene Methoden</a:t>
             </a:r>
             <a:endParaRPr kumimoji="0" lang="en-US"/>
           </a:p>
@@ -3363,7 +3363,7 @@
           <a:p>
             <a:r>
               <a:rPr lang="de-DE" smtClean="0"/>
-              <a:t>v1.3 (2012-07)</a:t>
+              <a:t>v2.0</a:t>
             </a:r>
             <a:endParaRPr lang="en-US"/>
           </a:p>
@@ -3425,7 +3425,7 @@
           <a:p>
             <a:r>
               <a:rPr kumimoji="0" lang="de-CH" smtClean="0"/>
-              <a:t>Programmieren / Eigene Methoden</a:t>
+              <a:t>Programmieren / Kapitel 5 - Eigene Methoden</a:t>
             </a:r>
             <a:endParaRPr kumimoji="0" lang="en-US" dirty="0"/>
           </a:p>
@@ -3630,7 +3630,7 @@
           <a:p>
             <a:r>
               <a:rPr lang="de-DE" smtClean="0"/>
-              <a:t>v1.3 (2012-07)</a:t>
+              <a:t>v2.0</a:t>
             </a:r>
             <a:endParaRPr lang="en-US" dirty="0"/>
           </a:p>
@@ -3669,7 +3669,7 @@
           <a:p>
             <a:r>
               <a:rPr lang="de-CH" smtClean="0"/>
-              <a:t>Programmieren / Eigene Methoden</a:t>
+              <a:t>Programmieren / Kapitel 5 - Eigene Methoden</a:t>
             </a:r>
             <a:endParaRPr lang="en-US" dirty="0"/>
           </a:p>
@@ -4271,7 +4271,15 @@
           <a:p>
             <a:r>
               <a:rPr lang="de-DE" dirty="0" smtClean="0"/>
-              <a:t>Eigene Methoden</a:t>
+              <a:t>Kapitel </a:t>
+            </a:r>
+            <a:r>
+              <a:rPr lang="de-DE" smtClean="0"/>
+              <a:t>5 – Eigene </a:t>
+            </a:r>
+            <a:r>
+              <a:rPr lang="de-DE" dirty="0" smtClean="0"/>
+              <a:t>Methoden</a:t>
             </a:r>
             <a:endParaRPr lang="de-DE" dirty="0"/>
           </a:p>
@@ -4349,7 +4357,7 @@
           <a:p>
             <a:r>
               <a:rPr lang="de-DE" smtClean="0"/>
-              <a:t>v1.3 (2012-07)</a:t>
+              <a:t>v2.0</a:t>
             </a:r>
             <a:endParaRPr lang="en-US" dirty="0"/>
           </a:p>
@@ -4372,7 +4380,7 @@
           <a:p>
             <a:r>
               <a:rPr kumimoji="0" lang="de-CH" smtClean="0"/>
-              <a:t>Programmieren / Eigene Methoden</a:t>
+              <a:t>Programmieren / Kapitel 5 - Eigene Methoden</a:t>
             </a:r>
             <a:endParaRPr kumimoji="0" lang="en-US"/>
           </a:p>
@@ -4567,10 +4575,6 @@
               </a:rPr>
               <a:t>)</a:t>
             </a:r>
-            <a:endParaRPr lang="de-CH" sz="2000" dirty="0">
-              <a:latin typeface="Courier New" pitchFamily="49" charset="0"/>
-              <a:cs typeface="Courier New" pitchFamily="49" charset="0"/>
-            </a:endParaRPr>
           </a:p>
           <a:p>
             <a:r>
@@ -4640,10 +4644,6 @@
               </a:rPr>
               <a:t>)</a:t>
             </a:r>
-            <a:endParaRPr lang="de-CH" sz="2000" dirty="0">
-              <a:latin typeface="Courier New" pitchFamily="49" charset="0"/>
-              <a:cs typeface="Courier New" pitchFamily="49" charset="0"/>
-            </a:endParaRPr>
           </a:p>
           <a:p>
             <a:r>
@@ -4660,27 +4660,80 @@
                 <a:latin typeface="Courier New" pitchFamily="49" charset="0"/>
                 <a:cs typeface="Courier New" pitchFamily="49" charset="0"/>
               </a:rPr>
-              <a:t> </a:t>
+              <a:t>        </a:t>
+            </a:r>
+            <a:r>
+              <a:rPr lang="de-CH" sz="2000" dirty="0" err="1">
+                <a:latin typeface="Courier New" pitchFamily="49" charset="0"/>
+                <a:cs typeface="Courier New" pitchFamily="49" charset="0"/>
+              </a:rPr>
+              <a:t>legeBlaetter</a:t>
             </a:r>
             <a:r>
               <a:rPr lang="de-CH" sz="2000" dirty="0">
                 <a:latin typeface="Courier New" pitchFamily="49" charset="0"/>
                 <a:cs typeface="Courier New" pitchFamily="49" charset="0"/>
               </a:rPr>
-              <a:t>       </a:t>
+              <a:t>(</a:t>
             </a:r>
             <a:r>
               <a:rPr lang="de-CH" sz="2000" dirty="0" err="1">
                 <a:latin typeface="Courier New" pitchFamily="49" charset="0"/>
                 <a:cs typeface="Courier New" pitchFamily="49" charset="0"/>
               </a:rPr>
-              <a:t>legeBlaetter</a:t>
+              <a:t>width</a:t>
             </a:r>
             <a:r>
               <a:rPr lang="de-CH" sz="2000" dirty="0">
                 <a:latin typeface="Courier New" pitchFamily="49" charset="0"/>
                 <a:cs typeface="Courier New" pitchFamily="49" charset="0"/>
               </a:rPr>
+              <a:t>);</a:t>
+            </a:r>
+          </a:p>
+          <a:p>
+            <a:r>
+              <a:rPr lang="de-CH" sz="2000" dirty="0">
+                <a:latin typeface="Courier New" pitchFamily="49" charset="0"/>
+                <a:cs typeface="Courier New" pitchFamily="49" charset="0"/>
+              </a:rPr>
+              <a:t>        </a:t>
+            </a:r>
+            <a:r>
+              <a:rPr lang="de-CH" sz="2000" dirty="0" err="1">
+                <a:latin typeface="Courier New" pitchFamily="49" charset="0"/>
+                <a:cs typeface="Courier New" pitchFamily="49" charset="0"/>
+              </a:rPr>
+              <a:t>dreheUm</a:t>
+            </a:r>
+            <a:r>
+              <a:rPr lang="de-CH" sz="2000" dirty="0">
+                <a:latin typeface="Courier New" pitchFamily="49" charset="0"/>
+                <a:cs typeface="Courier New" pitchFamily="49" charset="0"/>
+              </a:rPr>
+              <a:t>();</a:t>
+            </a:r>
+          </a:p>
+          <a:p>
+            <a:r>
+              <a:rPr lang="de-CH" sz="2000" dirty="0">
+                <a:latin typeface="Courier New" pitchFamily="49" charset="0"/>
+                <a:cs typeface="Courier New" pitchFamily="49" charset="0"/>
+              </a:rPr>
+              <a:t>        </a:t>
+            </a:r>
+            <a:r>
+              <a:rPr lang="de-CH" sz="2000" dirty="0" err="1">
+                <a:latin typeface="Courier New" pitchFamily="49" charset="0"/>
+                <a:cs typeface="Courier New" pitchFamily="49" charset="0"/>
+              </a:rPr>
+              <a:t>geheSchritte</a:t>
+            </a:r>
+            <a:r>
+              <a:rPr lang="de-CH" sz="2000" dirty="0">
+                <a:latin typeface="Courier New" pitchFamily="49" charset="0"/>
+                <a:cs typeface="Courier New" pitchFamily="49" charset="0"/>
+              </a:rPr>
               <a:t>(</a:t>
             </a:r>
             <a:r>
@@ -4697,74 +4750,6 @@
               </a:rPr>
               <a:t>);</a:t>
             </a:r>
-            <a:endParaRPr lang="de-CH" sz="2000" dirty="0">
-              <a:latin typeface="Courier New" pitchFamily="49" charset="0"/>
-              <a:cs typeface="Courier New" pitchFamily="49" charset="0"/>
-            </a:endParaRPr>
-          </a:p>
-          <a:p>
-            <a:r>
-              <a:rPr lang="de-CH" sz="2000" dirty="0">
-                <a:latin typeface="Courier New" pitchFamily="49" charset="0"/>
-                <a:cs typeface="Courier New" pitchFamily="49" charset="0"/>
-              </a:rPr>
-              <a:t>        </a:t>
-            </a:r>
-            <a:r>
-              <a:rPr lang="de-CH" sz="2000" dirty="0" err="1">
-                <a:latin typeface="Courier New" pitchFamily="49" charset="0"/>
-                <a:cs typeface="Courier New" pitchFamily="49" charset="0"/>
-              </a:rPr>
-              <a:t>dreheUm</a:t>
-            </a:r>
-            <a:r>
-              <a:rPr lang="de-CH" sz="2000" dirty="0">
-                <a:latin typeface="Courier New" pitchFamily="49" charset="0"/>
-                <a:cs typeface="Courier New" pitchFamily="49" charset="0"/>
-              </a:rPr>
-              <a:t>();</a:t>
-            </a:r>
-          </a:p>
-          <a:p>
-            <a:r>
-              <a:rPr lang="de-CH" sz="2000" dirty="0">
-                <a:latin typeface="Courier New" pitchFamily="49" charset="0"/>
-                <a:cs typeface="Courier New" pitchFamily="49" charset="0"/>
-              </a:rPr>
-              <a:t>        </a:t>
-            </a:r>
-            <a:r>
-              <a:rPr lang="de-CH" sz="2000" dirty="0" err="1">
-                <a:latin typeface="Courier New" pitchFamily="49" charset="0"/>
-                <a:cs typeface="Courier New" pitchFamily="49" charset="0"/>
-              </a:rPr>
-              <a:t>geheSchritte</a:t>
-            </a:r>
-            <a:r>
-              <a:rPr lang="de-CH" sz="2000" dirty="0">
-                <a:latin typeface="Courier New" pitchFamily="49" charset="0"/>
-                <a:cs typeface="Courier New" pitchFamily="49" charset="0"/>
-              </a:rPr>
-              <a:t>(</a:t>
-            </a:r>
-            <a:r>
-              <a:rPr lang="de-CH" sz="2000" dirty="0" err="1">
-                <a:latin typeface="Courier New" pitchFamily="49" charset="0"/>
-                <a:cs typeface="Courier New" pitchFamily="49" charset="0"/>
-              </a:rPr>
-              <a:t>width</a:t>
-            </a:r>
-            <a:r>
-              <a:rPr lang="de-CH" sz="2000" dirty="0">
-                <a:latin typeface="Courier New" pitchFamily="49" charset="0"/>
-                <a:cs typeface="Courier New" pitchFamily="49" charset="0"/>
-              </a:rPr>
-              <a:t>);</a:t>
-            </a:r>
-            <a:endParaRPr lang="de-CH" sz="2000" dirty="0">
-              <a:latin typeface="Courier New" pitchFamily="49" charset="0"/>
-              <a:cs typeface="Courier New" pitchFamily="49" charset="0"/>
-            </a:endParaRPr>
           </a:p>
           <a:p>
             <a:endParaRPr lang="de-CH" sz="2000" dirty="0">
@@ -5099,7 +5084,7 @@
           <a:p>
             <a:r>
               <a:rPr lang="de-DE" smtClean="0"/>
-              <a:t>v1.3 (2012-07)</a:t>
+              <a:t>v2.0</a:t>
             </a:r>
             <a:endParaRPr lang="en-US" dirty="0"/>
           </a:p>
@@ -5122,7 +5107,7 @@
           <a:p>
             <a:r>
               <a:rPr kumimoji="0" lang="de-CH" smtClean="0"/>
-              <a:t>Programmieren / Eigene Methoden</a:t>
+              <a:t>Programmieren / Kapitel 5 - Eigene Methoden</a:t>
             </a:r>
             <a:endParaRPr kumimoji="0" lang="en-US"/>
           </a:p>
@@ -5277,14 +5262,7 @@
                 <a:latin typeface="Courier New" pitchFamily="49" charset="0"/>
                 <a:cs typeface="Courier New" pitchFamily="49" charset="0"/>
               </a:rPr>
-              <a:t> </a:t>
-            </a:r>
-            <a:r>
-              <a:rPr lang="de-CH" sz="2000" dirty="0">
-                <a:latin typeface="Courier New" pitchFamily="49" charset="0"/>
-                <a:cs typeface="Courier New" pitchFamily="49" charset="0"/>
-              </a:rPr>
-              <a:t>   </a:t>
+              <a:t>    </a:t>
             </a:r>
             <a:r>
               <a:rPr lang="de-CH" sz="2000" dirty="0" err="1" smtClean="0">
@@ -5522,7 +5500,7 @@
           <a:p>
             <a:r>
               <a:rPr lang="de-DE" smtClean="0"/>
-              <a:t>v1.3 (2012-07)</a:t>
+              <a:t>v2.0</a:t>
             </a:r>
             <a:endParaRPr lang="en-US" dirty="0"/>
           </a:p>
@@ -5545,7 +5523,7 @@
           <a:p>
             <a:r>
               <a:rPr kumimoji="0" lang="de-CH" smtClean="0"/>
-              <a:t>Programmieren / Eigene Methoden</a:t>
+              <a:t>Programmieren / Kapitel 5 - Eigene Methoden</a:t>
             </a:r>
             <a:endParaRPr kumimoji="0" lang="en-US"/>
           </a:p>
@@ -5684,10 +5662,6 @@
               </a:rPr>
               <a:t>)</a:t>
             </a:r>
-            <a:endParaRPr lang="de-CH" sz="2000" dirty="0">
-              <a:latin typeface="Courier New" pitchFamily="49" charset="0"/>
-              <a:cs typeface="Courier New" pitchFamily="49" charset="0"/>
-            </a:endParaRPr>
           </a:p>
           <a:p>
             <a:r>
@@ -6210,7 +6184,7 @@
           <a:p>
             <a:r>
               <a:rPr lang="de-DE" smtClean="0"/>
-              <a:t>v1.3 (2012-07)</a:t>
+              <a:t>v2.0</a:t>
             </a:r>
             <a:endParaRPr lang="en-US" dirty="0"/>
           </a:p>
@@ -6233,7 +6207,7 @@
           <a:p>
             <a:r>
               <a:rPr kumimoji="0" lang="de-CH" smtClean="0"/>
-              <a:t>Programmieren / Eigene Methoden</a:t>
+              <a:t>Programmieren / Kapitel 5 - Eigene Methoden</a:t>
             </a:r>
             <a:endParaRPr kumimoji="0" lang="en-US"/>
           </a:p>
@@ -6734,7 +6708,7 @@
           <a:p>
             <a:r>
               <a:rPr lang="de-DE" smtClean="0"/>
-              <a:t>v1.3 (2012-07)</a:t>
+              <a:t>v2.0</a:t>
             </a:r>
             <a:endParaRPr lang="en-US" dirty="0"/>
           </a:p>
@@ -6757,7 +6731,7 @@
           <a:p>
             <a:r>
               <a:rPr kumimoji="0" lang="de-CH" smtClean="0"/>
-              <a:t>Programmieren / Eigene Methoden</a:t>
+              <a:t>Programmieren / Kapitel 5 - Eigene Methoden</a:t>
             </a:r>
             <a:endParaRPr kumimoji="0" lang="en-US"/>
           </a:p>
@@ -7207,10 +7181,6 @@
               </a:rPr>
               <a:t>} </a:t>
             </a:r>
-            <a:endParaRPr lang="de-CH" sz="2000" dirty="0" smtClean="0">
-              <a:latin typeface="Courier New" pitchFamily="49" charset="0"/>
-              <a:cs typeface="Courier New" pitchFamily="49" charset="0"/>
-            </a:endParaRPr>
           </a:p>
         </p:txBody>
       </p:sp>
@@ -7441,7 +7411,7 @@
           <a:p>
             <a:r>
               <a:rPr lang="de-DE" smtClean="0"/>
-              <a:t>v1.3 (2012-07)</a:t>
+              <a:t>v2.0</a:t>
             </a:r>
             <a:endParaRPr lang="en-US" dirty="0"/>
           </a:p>
@@ -7464,7 +7434,7 @@
           <a:p>
             <a:r>
               <a:rPr kumimoji="0" lang="de-CH" smtClean="0"/>
-              <a:t>Programmieren / Eigene Methoden</a:t>
+              <a:t>Programmieren / Kapitel 5 - Eigene Methoden</a:t>
             </a:r>
             <a:endParaRPr kumimoji="0" lang="en-US"/>
           </a:p>
@@ -7865,7 +7835,7 @@
           <a:p>
             <a:r>
               <a:rPr lang="de-DE" smtClean="0"/>
-              <a:t>v1.3 (2012-07)</a:t>
+              <a:t>v2.0</a:t>
             </a:r>
             <a:endParaRPr lang="en-US" dirty="0"/>
           </a:p>
@@ -7888,7 +7858,7 @@
           <a:p>
             <a:r>
               <a:rPr kumimoji="0" lang="de-CH" smtClean="0"/>
-              <a:t>Programmieren / Eigene Methoden</a:t>
+              <a:t>Programmieren / Kapitel 5 - Eigene Methoden</a:t>
             </a:r>
             <a:endParaRPr kumimoji="0" lang="en-US"/>
           </a:p>
@@ -8085,7 +8055,7 @@
           <a:p>
             <a:r>
               <a:rPr lang="de-DE" smtClean="0"/>
-              <a:t>v1.3 (2012-07)</a:t>
+              <a:t>v2.0</a:t>
             </a:r>
             <a:endParaRPr lang="en-US" dirty="0"/>
           </a:p>
@@ -8108,7 +8078,7 @@
           <a:p>
             <a:r>
               <a:rPr kumimoji="0" lang="de-CH" smtClean="0"/>
-              <a:t>Programmieren / Eigene Methoden</a:t>
+              <a:t>Programmieren / Kapitel 5 - Eigene Methoden</a:t>
             </a:r>
             <a:endParaRPr kumimoji="0" lang="en-US"/>
           </a:p>
@@ -8507,7 +8477,7 @@
           <a:p>
             <a:r>
               <a:rPr lang="de-DE" smtClean="0"/>
-              <a:t>v1.3 (2012-07)</a:t>
+              <a:t>v2.0</a:t>
             </a:r>
             <a:endParaRPr lang="en-US" dirty="0"/>
           </a:p>
@@ -8530,7 +8500,7 @@
           <a:p>
             <a:r>
               <a:rPr kumimoji="0" lang="de-CH" smtClean="0"/>
-              <a:t>Programmieren / Eigene Methoden</a:t>
+              <a:t>Programmieren / Kapitel 5 - Eigene Methoden</a:t>
             </a:r>
             <a:endParaRPr kumimoji="0" lang="en-US"/>
           </a:p>
@@ -8803,7 +8773,7 @@
           <a:p>
             <a:r>
               <a:rPr lang="de-DE" smtClean="0"/>
-              <a:t>v1.3 (2012-07)</a:t>
+              <a:t>v2.0</a:t>
             </a:r>
             <a:endParaRPr lang="en-US" dirty="0"/>
           </a:p>
@@ -8826,7 +8796,7 @@
           <a:p>
             <a:r>
               <a:rPr kumimoji="0" lang="de-CH" smtClean="0"/>
-              <a:t>Programmieren / Eigene Methoden</a:t>
+              <a:t>Programmieren / Kapitel 5 - Eigene Methoden</a:t>
             </a:r>
             <a:endParaRPr kumimoji="0" lang="en-US"/>
           </a:p>
@@ -9335,7 +9305,7 @@
           <a:p>
             <a:r>
               <a:rPr lang="de-DE" smtClean="0"/>
-              <a:t>v1.3 (2012-07)</a:t>
+              <a:t>v2.0</a:t>
             </a:r>
             <a:endParaRPr lang="en-US" dirty="0"/>
           </a:p>
@@ -9358,7 +9328,7 @@
           <a:p>
             <a:r>
               <a:rPr kumimoji="0" lang="de-CH" smtClean="0"/>
-              <a:t>Programmieren / Eigene Methoden</a:t>
+              <a:t>Programmieren / Kapitel 5 - Eigene Methoden</a:t>
             </a:r>
             <a:endParaRPr kumimoji="0" lang="en-US"/>
           </a:p>
@@ -11149,7 +11119,7 @@
           <a:p>
             <a:r>
               <a:rPr lang="de-DE" smtClean="0"/>
-              <a:t>v1.3 (2012-07)</a:t>
+              <a:t>v2.0</a:t>
             </a:r>
             <a:endParaRPr lang="en-US" dirty="0"/>
           </a:p>
@@ -11172,7 +11142,7 @@
           <a:p>
             <a:r>
               <a:rPr kumimoji="0" lang="de-CH" smtClean="0"/>
-              <a:t>Programmieren / Eigene Methoden</a:t>
+              <a:t>Programmieren / Kapitel 5 - Eigene Methoden</a:t>
             </a:r>
             <a:endParaRPr kumimoji="0" lang="en-US"/>
           </a:p>
@@ -11717,7 +11687,7 @@
           <a:p>
             <a:r>
               <a:rPr lang="de-DE" smtClean="0"/>
-              <a:t>v1.3 (2012-07)</a:t>
+              <a:t>v2.0</a:t>
             </a:r>
             <a:endParaRPr lang="en-US" dirty="0"/>
           </a:p>
@@ -11740,7 +11710,7 @@
           <a:p>
             <a:r>
               <a:rPr kumimoji="0" lang="de-CH" smtClean="0"/>
-              <a:t>Programmieren / Eigene Methoden</a:t>
+              <a:t>Programmieren / Kapitel 5 - Eigene Methoden</a:t>
             </a:r>
             <a:endParaRPr kumimoji="0" lang="en-US"/>
           </a:p>
@@ -12245,7 +12215,7 @@
           <a:p>
             <a:r>
               <a:rPr lang="de-DE" smtClean="0"/>
-              <a:t>v1.3 (2012-07)</a:t>
+              <a:t>v2.0</a:t>
             </a:r>
             <a:endParaRPr lang="en-US" dirty="0"/>
           </a:p>
@@ -12268,7 +12238,7 @@
           <a:p>
             <a:r>
               <a:rPr kumimoji="0" lang="de-CH" smtClean="0"/>
-              <a:t>Programmieren / Eigene Methoden</a:t>
+              <a:t>Programmieren / Kapitel 5 - Eigene Methoden</a:t>
             </a:r>
             <a:endParaRPr kumimoji="0" lang="en-US"/>
           </a:p>
@@ -12481,7 +12451,7 @@
           <a:p>
             <a:r>
               <a:rPr lang="de-DE" smtClean="0"/>
-              <a:t>v1.3 (2012-07)</a:t>
+              <a:t>v2.0</a:t>
             </a:r>
             <a:endParaRPr lang="en-US" dirty="0"/>
           </a:p>
@@ -12504,7 +12474,7 @@
           <a:p>
             <a:r>
               <a:rPr kumimoji="0" lang="de-CH" smtClean="0"/>
-              <a:t>Programmieren / Eigene Methoden</a:t>
+              <a:t>Programmieren / Kapitel 5 - Eigene Methoden</a:t>
             </a:r>
             <a:endParaRPr kumimoji="0" lang="en-US"/>
           </a:p>
